--- a/Seminar 7.pptx
+++ b/Seminar 7.pptx
@@ -115,6 +115,11 @@
       </a:defRPr>
     </a:lvl9pPr>
   </p:defaultTextStyle>
+  <p:extLst>
+    <p:ext uri="{EFAFB233-063F-42B5-8137-9DF3F51BA10A}">
+      <p15:sldGuideLst xmlns:p15="http://schemas.microsoft.com/office/powerpoint/2012/main"/>
+    </p:ext>
+  </p:extLst>
 </p:presentation>
 </file>
 
@@ -200,7 +205,7 @@
           <a:p>
             <a:fld id="{DC2D4F9F-687A-4B7A-A7D7-ACF1D540BD07}" type="datetimeFigureOut">
               <a:rPr lang="en-US" smtClean="0"/>
-              <a:t>6/3/2016</a:t>
+              <a:t>6/22/2016</a:t>
             </a:fld>
             <a:endParaRPr lang="en-US"/>
           </a:p>
@@ -1129,7 +1134,7 @@
           <a:p>
             <a:fld id="{2E40A200-27EE-4778-9578-81C1F678B96B}" type="datetimeFigureOut">
               <a:rPr lang="en-US" smtClean="0"/>
-              <a:t>6/3/2016</a:t>
+              <a:t>6/22/2016</a:t>
             </a:fld>
             <a:endParaRPr lang="en-US"/>
           </a:p>
@@ -1299,7 +1304,7 @@
           <a:p>
             <a:fld id="{2E40A200-27EE-4778-9578-81C1F678B96B}" type="datetimeFigureOut">
               <a:rPr lang="en-US" smtClean="0"/>
-              <a:t>6/3/2016</a:t>
+              <a:t>6/22/2016</a:t>
             </a:fld>
             <a:endParaRPr lang="en-US"/>
           </a:p>
@@ -1479,7 +1484,7 @@
           <a:p>
             <a:fld id="{2E40A200-27EE-4778-9578-81C1F678B96B}" type="datetimeFigureOut">
               <a:rPr lang="en-US" smtClean="0"/>
-              <a:t>6/3/2016</a:t>
+              <a:t>6/22/2016</a:t>
             </a:fld>
             <a:endParaRPr lang="en-US"/>
           </a:p>
@@ -1649,7 +1654,7 @@
           <a:p>
             <a:fld id="{2E40A200-27EE-4778-9578-81C1F678B96B}" type="datetimeFigureOut">
               <a:rPr lang="en-US" smtClean="0"/>
-              <a:t>6/3/2016</a:t>
+              <a:t>6/22/2016</a:t>
             </a:fld>
             <a:endParaRPr lang="en-US"/>
           </a:p>
@@ -1895,7 +1900,7 @@
           <a:p>
             <a:fld id="{2E40A200-27EE-4778-9578-81C1F678B96B}" type="datetimeFigureOut">
               <a:rPr lang="en-US" smtClean="0"/>
-              <a:t>6/3/2016</a:t>
+              <a:t>6/22/2016</a:t>
             </a:fld>
             <a:endParaRPr lang="en-US"/>
           </a:p>
@@ -2127,7 +2132,7 @@
           <a:p>
             <a:fld id="{2E40A200-27EE-4778-9578-81C1F678B96B}" type="datetimeFigureOut">
               <a:rPr lang="en-US" smtClean="0"/>
-              <a:t>6/3/2016</a:t>
+              <a:t>6/22/2016</a:t>
             </a:fld>
             <a:endParaRPr lang="en-US"/>
           </a:p>
@@ -2494,7 +2499,7 @@
           <a:p>
             <a:fld id="{2E40A200-27EE-4778-9578-81C1F678B96B}" type="datetimeFigureOut">
               <a:rPr lang="en-US" smtClean="0"/>
-              <a:t>6/3/2016</a:t>
+              <a:t>6/22/2016</a:t>
             </a:fld>
             <a:endParaRPr lang="en-US"/>
           </a:p>
@@ -2612,7 +2617,7 @@
           <a:p>
             <a:fld id="{2E40A200-27EE-4778-9578-81C1F678B96B}" type="datetimeFigureOut">
               <a:rPr lang="en-US" smtClean="0"/>
-              <a:t>6/3/2016</a:t>
+              <a:t>6/22/2016</a:t>
             </a:fld>
             <a:endParaRPr lang="en-US"/>
           </a:p>
@@ -2707,7 +2712,7 @@
           <a:p>
             <a:fld id="{2E40A200-27EE-4778-9578-81C1F678B96B}" type="datetimeFigureOut">
               <a:rPr lang="en-US" smtClean="0"/>
-              <a:t>6/3/2016</a:t>
+              <a:t>6/22/2016</a:t>
             </a:fld>
             <a:endParaRPr lang="en-US"/>
           </a:p>
@@ -2984,7 +2989,7 @@
           <a:p>
             <a:fld id="{2E40A200-27EE-4778-9578-81C1F678B96B}" type="datetimeFigureOut">
               <a:rPr lang="en-US" smtClean="0"/>
-              <a:t>6/3/2016</a:t>
+              <a:t>6/22/2016</a:t>
             </a:fld>
             <a:endParaRPr lang="en-US"/>
           </a:p>
@@ -3237,7 +3242,7 @@
           <a:p>
             <a:fld id="{2E40A200-27EE-4778-9578-81C1F678B96B}" type="datetimeFigureOut">
               <a:rPr lang="en-US" smtClean="0"/>
-              <a:t>6/3/2016</a:t>
+              <a:t>6/22/2016</a:t>
             </a:fld>
             <a:endParaRPr lang="en-US"/>
           </a:p>
@@ -3450,7 +3455,7 @@
           <a:p>
             <a:fld id="{2E40A200-27EE-4778-9578-81C1F678B96B}" type="datetimeFigureOut">
               <a:rPr lang="en-US" smtClean="0"/>
-              <a:t>6/3/2016</a:t>
+              <a:t>6/22/2016</a:t>
             </a:fld>
             <a:endParaRPr lang="en-US"/>
           </a:p>
@@ -3937,14 +3942,30 @@
               </a:spcBef>
             </a:pPr>
             <a:r>
+              <a:rPr lang="en" sz="1467" smtClean="0">
+                <a:latin typeface="Abel"/>
+                <a:ea typeface="Abel"/>
+                <a:cs typeface="Abel"/>
+                <a:sym typeface="Abel"/>
+              </a:rPr>
+              <a:t>23th June </a:t>
+            </a:r>
+            <a:r>
               <a:rPr lang="en" sz="1467" dirty="0">
                 <a:latin typeface="Abel"/>
                 <a:ea typeface="Abel"/>
                 <a:cs typeface="Abel"/>
                 <a:sym typeface="Abel"/>
               </a:rPr>
-              <a:t>20th </a:t>
-            </a:r>
+              <a:t>2016</a:t>
+            </a:r>
+          </a:p>
+          <a:p>
+            <a:pPr algn="l">
+              <a:spcBef>
+                <a:spcPts val="0"/>
+              </a:spcBef>
+            </a:pPr>
             <a:r>
               <a:rPr lang="en" sz="1467" dirty="0">
                 <a:latin typeface="Abel"/>
@@ -3952,39 +3973,8 @@
                 <a:cs typeface="Abel"/>
                 <a:sym typeface="Abel"/>
               </a:rPr>
-              <a:t>May 2016</a:t>
-            </a:r>
-          </a:p>
-          <a:p>
-            <a:pPr algn="l">
-              <a:spcBef>
-                <a:spcPts val="0"/>
-              </a:spcBef>
-            </a:pPr>
-            <a:r>
-              <a:rPr lang="en" sz="1467" dirty="0">
-                <a:latin typeface="Abel"/>
-                <a:ea typeface="Abel"/>
-                <a:cs typeface="Abel"/>
-                <a:sym typeface="Abel"/>
-              </a:rPr>
-              <a:t>By </a:t>
-            </a:r>
-            <a:r>
-              <a:rPr lang="en" sz="1467" dirty="0">
-                <a:latin typeface="Abel"/>
-                <a:ea typeface="Abel"/>
-                <a:cs typeface="Abel"/>
-                <a:sym typeface="Abel"/>
-              </a:rPr>
-              <a:t>Tran Viet Cuong</a:t>
-            </a:r>
-            <a:endParaRPr lang="en" sz="1467" dirty="0">
-              <a:latin typeface="Abel"/>
-              <a:ea typeface="Abel"/>
-              <a:cs typeface="Abel"/>
-              <a:sym typeface="Abel"/>
-            </a:endParaRPr>
+              <a:t>By Tran Viet Cuong</a:t>
+            </a:r>
           </a:p>
         </p:txBody>
       </p:sp>
@@ -5258,11 +5248,6 @@
               </a:rPr>
               <a:t>in next 2 weeks</a:t>
             </a:r>
-            <a:endParaRPr lang="en" sz="4267" dirty="0">
-              <a:solidFill>
-                <a:srgbClr val="FFFFFF"/>
-              </a:solidFill>
-            </a:endParaRPr>
           </a:p>
         </p:txBody>
       </p:sp>
@@ -5768,11 +5753,6 @@
               </a:rPr>
               <a:t>Reference</a:t>
             </a:r>
-            <a:endParaRPr lang="en" sz="4800" dirty="0">
-              <a:solidFill>
-                <a:srgbClr val="FFFFFF"/>
-              </a:solidFill>
-            </a:endParaRPr>
           </a:p>
         </p:txBody>
       </p:sp>
